--- a/hw_3/presentation.pptx
+++ b/hw_3/presentation.pptx
@@ -6042,8 +6042,8 @@
               <a:spcAft>
                 <a:spcPts val="1600"/>
               </a:spcAft>
-              <a:buFontTx/>
-              <a:buChar char="-"/>
+              <a:buFont typeface="Arial" panose="020B0604020202020204" pitchFamily="34" charset="0"/>
+              <a:buChar char="•"/>
             </a:pPr>
             <a:r>
               <a:rPr lang="it-IT" dirty="0" err="1"/>
@@ -6075,8 +6075,8 @@
               <a:spcAft>
                 <a:spcPts val="1600"/>
               </a:spcAft>
-              <a:buFontTx/>
-              <a:buChar char="-"/>
+              <a:buFont typeface="Arial" panose="020B0604020202020204" pitchFamily="34" charset="0"/>
+              <a:buChar char="•"/>
             </a:pPr>
             <a:r>
               <a:rPr lang="it-IT" dirty="0" err="1"/>
@@ -6100,8 +6100,8 @@
               <a:spcAft>
                 <a:spcPts val="1600"/>
               </a:spcAft>
-              <a:buFontTx/>
-              <a:buChar char="-"/>
+              <a:buFont typeface="Arial" panose="020B0604020202020204" pitchFamily="34" charset="0"/>
+              <a:buChar char="•"/>
             </a:pPr>
             <a:r>
               <a:rPr lang="it-IT" dirty="0" err="1"/>
@@ -6109,15 +6109,7 @@
             </a:r>
             <a:r>
               <a:rPr lang="it-IT" dirty="0"/>
-              <a:t> </a:t>
-            </a:r>
-            <a:r>
-              <a:rPr lang="it-IT" dirty="0" err="1"/>
-              <a:t>quey</a:t>
-            </a:r>
-            <a:r>
-              <a:rPr lang="it-IT" dirty="0"/>
-              <a:t> </a:t>
+              <a:t> query </a:t>
             </a:r>
             <a:r>
               <a:rPr lang="it-IT" dirty="0" err="1"/>
@@ -6562,8 +6554,8 @@
               <a:spcAft>
                 <a:spcPts val="1600"/>
               </a:spcAft>
-              <a:buFontTx/>
-              <a:buChar char="-"/>
+              <a:buFont typeface="Arial" panose="020B0604020202020204" pitchFamily="34" charset="0"/>
+              <a:buChar char="•"/>
             </a:pPr>
             <a:r>
               <a:rPr lang="it" dirty="0"/>
@@ -6578,8 +6570,8 @@
               <a:spcAft>
                 <a:spcPts val="1600"/>
               </a:spcAft>
-              <a:buFontTx/>
-              <a:buChar char="-"/>
+              <a:buFont typeface="Arial" panose="020B0604020202020204" pitchFamily="34" charset="0"/>
+              <a:buChar char="•"/>
             </a:pPr>
             <a:r>
               <a:rPr lang="it-IT" dirty="0" err="1"/>
@@ -6613,8 +6605,8 @@
               <a:spcAft>
                 <a:spcPts val="1600"/>
               </a:spcAft>
-              <a:buFontTx/>
-              <a:buChar char="-"/>
+              <a:buFont typeface="Arial" panose="020B0604020202020204" pitchFamily="34" charset="0"/>
+              <a:buChar char="•"/>
             </a:pPr>
             <a:r>
               <a:rPr lang="it-IT" dirty="0" err="1">
@@ -6646,8 +6638,8 @@
               <a:spcAft>
                 <a:spcPts val="1600"/>
               </a:spcAft>
-              <a:buFontTx/>
-              <a:buChar char="-"/>
+              <a:buFont typeface="Arial" panose="020B0604020202020204" pitchFamily="34" charset="0"/>
+              <a:buChar char="•"/>
             </a:pPr>
             <a:r>
               <a:rPr lang="it-IT" dirty="0" err="1">
@@ -6679,8 +6671,8 @@
               <a:spcAft>
                 <a:spcPts val="1600"/>
               </a:spcAft>
-              <a:buFontTx/>
-              <a:buChar char="-"/>
+              <a:buFont typeface="Arial" panose="020B0604020202020204" pitchFamily="34" charset="0"/>
+              <a:buChar char="•"/>
             </a:pPr>
             <a:r>
               <a:rPr lang="it-IT" i="1" dirty="0"/>
@@ -7837,8 +7829,8 @@
         </p:nvSpPr>
         <p:spPr>
           <a:xfrm>
-            <a:off x="727650" y="1978995"/>
-            <a:ext cx="3345304" cy="1219803"/>
+            <a:off x="727650" y="1772349"/>
+            <a:ext cx="3345304" cy="2770856"/>
           </a:xfrm>
           <a:prstGeom prst="rect">
             <a:avLst/>
@@ -7857,8 +7849,8 @@
               <a:spcAft>
                 <a:spcPts val="1600"/>
               </a:spcAft>
-              <a:buFontTx/>
-              <a:buChar char="-"/>
+              <a:buFont typeface="Arial" panose="020B0604020202020204" pitchFamily="34" charset="0"/>
+              <a:buChar char="•"/>
             </a:pPr>
             <a:r>
               <a:rPr lang="it-IT" i="1" dirty="0"/>
@@ -7881,8 +7873,8 @@
               <a:spcAft>
                 <a:spcPts val="1600"/>
               </a:spcAft>
-              <a:buFontTx/>
-              <a:buChar char="-"/>
+              <a:buFont typeface="Arial" panose="020B0604020202020204" pitchFamily="34" charset="0"/>
+              <a:buChar char="•"/>
             </a:pPr>
             <a:r>
               <a:rPr lang="it-IT" dirty="0" err="1">
@@ -7931,6 +7923,186 @@
                 <a:sym typeface="Wingdings" panose="05000000000000000000" pitchFamily="2" charset="2"/>
               </a:rPr>
               <a:t> Country</a:t>
+            </a:r>
+          </a:p>
+          <a:p>
+            <a:pPr marL="285750" lvl="0" indent="-285750" algn="l" rtl="0">
+              <a:lnSpc>
+                <a:spcPct val="100000"/>
+              </a:lnSpc>
+              <a:spcBef>
+                <a:spcPts val="0"/>
+              </a:spcBef>
+              <a:spcAft>
+                <a:spcPts val="1600"/>
+              </a:spcAft>
+              <a:buFont typeface="Arial" panose="020B0604020202020204" pitchFamily="34" charset="0"/>
+              <a:buChar char="•"/>
+            </a:pPr>
+            <a:r>
+              <a:rPr lang="it-IT" dirty="0" err="1">
+                <a:sym typeface="Wingdings" panose="05000000000000000000" pitchFamily="2" charset="2"/>
+              </a:rPr>
+              <a:t>problems</a:t>
+            </a:r>
+            <a:r>
+              <a:rPr lang="it-IT" b="1" dirty="0">
+                <a:sym typeface="Wingdings" panose="05000000000000000000" pitchFamily="2" charset="2"/>
+              </a:rPr>
+              <a:t>: </a:t>
+            </a:r>
+          </a:p>
+          <a:p>
+            <a:pPr marL="742950" lvl="1" indent="-285750">
+              <a:lnSpc>
+                <a:spcPct val="100000"/>
+              </a:lnSpc>
+              <a:spcBef>
+                <a:spcPts val="0"/>
+              </a:spcBef>
+              <a:spcAft>
+                <a:spcPts val="1600"/>
+              </a:spcAft>
+              <a:buFont typeface="Arial" panose="020B0604020202020204" pitchFamily="34" charset="0"/>
+              <a:buChar char="•"/>
+            </a:pPr>
+            <a:r>
+              <a:rPr lang="it-IT" dirty="0" err="1">
+                <a:sym typeface="Wingdings" panose="05000000000000000000" pitchFamily="2" charset="2"/>
+              </a:rPr>
+              <a:t>not</a:t>
+            </a:r>
+            <a:r>
+              <a:rPr lang="it-IT" dirty="0">
+                <a:sym typeface="Wingdings" panose="05000000000000000000" pitchFamily="2" charset="2"/>
+              </a:rPr>
+              <a:t> </a:t>
+            </a:r>
+            <a:r>
+              <a:rPr lang="it-IT" dirty="0" err="1">
+                <a:sym typeface="Wingdings" panose="05000000000000000000" pitchFamily="2" charset="2"/>
+              </a:rPr>
+              <a:t>all</a:t>
+            </a:r>
+            <a:r>
+              <a:rPr lang="it-IT" dirty="0">
+                <a:sym typeface="Wingdings" panose="05000000000000000000" pitchFamily="2" charset="2"/>
+              </a:rPr>
+              <a:t> </a:t>
+            </a:r>
+            <a:r>
+              <a:rPr lang="it-IT" i="1" dirty="0">
+                <a:sym typeface="Wingdings" panose="05000000000000000000" pitchFamily="2" charset="2"/>
+              </a:rPr>
+              <a:t>capital</a:t>
+            </a:r>
+            <a:r>
+              <a:rPr lang="it-IT" dirty="0">
+                <a:sym typeface="Wingdings" panose="05000000000000000000" pitchFamily="2" charset="2"/>
+              </a:rPr>
+              <a:t> </a:t>
+            </a:r>
+            <a:r>
+              <a:rPr lang="it-IT" dirty="0" err="1">
+                <a:sym typeface="Wingdings" panose="05000000000000000000" pitchFamily="2" charset="2"/>
+              </a:rPr>
+              <a:t>appear</a:t>
+            </a:r>
+            <a:r>
+              <a:rPr lang="it-IT" dirty="0">
+                <a:sym typeface="Wingdings" panose="05000000000000000000" pitchFamily="2" charset="2"/>
+              </a:rPr>
+              <a:t> </a:t>
+            </a:r>
+            <a:r>
+              <a:rPr lang="it-IT" dirty="0" err="1">
+                <a:sym typeface="Wingdings" panose="05000000000000000000" pitchFamily="2" charset="2"/>
+              </a:rPr>
+              <a:t>as</a:t>
+            </a:r>
+            <a:r>
+              <a:rPr lang="it-IT" dirty="0">
+                <a:sym typeface="Wingdings" panose="05000000000000000000" pitchFamily="2" charset="2"/>
+              </a:rPr>
+              <a:t> </a:t>
+            </a:r>
+            <a:r>
+              <a:rPr lang="it-IT" dirty="0" err="1">
+                <a:sym typeface="Wingdings" panose="05000000000000000000" pitchFamily="2" charset="2"/>
+              </a:rPr>
+              <a:t>tuples</a:t>
+            </a:r>
+            <a:r>
+              <a:rPr lang="it-IT" dirty="0">
+                <a:sym typeface="Wingdings" panose="05000000000000000000" pitchFamily="2" charset="2"/>
+              </a:rPr>
+              <a:t> in </a:t>
+            </a:r>
+            <a:r>
+              <a:rPr lang="it-IT" b="1" dirty="0">
+                <a:sym typeface="Wingdings" panose="05000000000000000000" pitchFamily="2" charset="2"/>
+              </a:rPr>
+              <a:t>City</a:t>
+            </a:r>
+            <a:r>
+              <a:rPr lang="it-IT" dirty="0">
+                <a:sym typeface="Wingdings" panose="05000000000000000000" pitchFamily="2" charset="2"/>
+              </a:rPr>
+              <a:t> </a:t>
+            </a:r>
+            <a:r>
+              <a:rPr lang="it-IT" dirty="0" err="1">
+                <a:sym typeface="Wingdings" panose="05000000000000000000" pitchFamily="2" charset="2"/>
+              </a:rPr>
+              <a:t>table</a:t>
+            </a:r>
+            <a:endParaRPr lang="it-IT" dirty="0">
+              <a:sym typeface="Wingdings" panose="05000000000000000000" pitchFamily="2" charset="2"/>
+            </a:endParaRPr>
+          </a:p>
+          <a:p>
+            <a:pPr marL="742950" lvl="1" indent="-285750">
+              <a:lnSpc>
+                <a:spcPct val="100000"/>
+              </a:lnSpc>
+              <a:spcBef>
+                <a:spcPts val="0"/>
+              </a:spcBef>
+              <a:spcAft>
+                <a:spcPts val="1600"/>
+              </a:spcAft>
+              <a:buFont typeface="Arial" panose="020B0604020202020204" pitchFamily="34" charset="0"/>
+              <a:buChar char="•"/>
+            </a:pPr>
+            <a:r>
+              <a:rPr lang="it-IT" dirty="0" err="1">
+                <a:sym typeface="Wingdings" panose="05000000000000000000" pitchFamily="2" charset="2"/>
+              </a:rPr>
+              <a:t>there</a:t>
+            </a:r>
+            <a:r>
+              <a:rPr lang="it-IT" dirty="0">
+                <a:sym typeface="Wingdings" panose="05000000000000000000" pitchFamily="2" charset="2"/>
+              </a:rPr>
+              <a:t> are cities with the </a:t>
+            </a:r>
+            <a:r>
+              <a:rPr lang="it-IT" dirty="0" err="1">
+                <a:sym typeface="Wingdings" panose="05000000000000000000" pitchFamily="2" charset="2"/>
+              </a:rPr>
+              <a:t>same</a:t>
+            </a:r>
+            <a:r>
+              <a:rPr lang="it-IT" dirty="0">
+                <a:sym typeface="Wingdings" panose="05000000000000000000" pitchFamily="2" charset="2"/>
+              </a:rPr>
+              <a:t> </a:t>
+            </a:r>
+            <a:r>
+              <a:rPr lang="it-IT" i="1" dirty="0">
+                <a:sym typeface="Wingdings" panose="05000000000000000000" pitchFamily="2" charset="2"/>
+              </a:rPr>
+              <a:t>name</a:t>
             </a:r>
           </a:p>
         </p:txBody>
@@ -9224,48 +9396,6 @@
               <a:t>Country</a:t>
             </a:r>
             <a:endParaRPr lang="it" b="1" dirty="0"/>
-          </a:p>
-        </p:txBody>
-      </p:sp>
-      <p:sp>
-        <p:nvSpPr>
-          <p:cNvPr id="96" name="Google Shape;96;p9"/>
-          <p:cNvSpPr txBox="1">
-            <a:spLocks noGrp="1"/>
-          </p:cNvSpPr>
-          <p:nvPr>
-            <p:ph type="subTitle" idx="2"/>
-          </p:nvPr>
-        </p:nvSpPr>
-        <p:spPr>
-          <a:xfrm>
-            <a:off x="1414800" y="4779100"/>
-            <a:ext cx="5854500" cy="335100"/>
-          </a:xfrm>
-          <a:prstGeom prst="rect">
-            <a:avLst/>
-          </a:prstGeom>
-        </p:spPr>
-        <p:txBody>
-          <a:bodyPr spcFirstLastPara="1" wrap="square" lIns="91425" tIns="91425" rIns="91425" bIns="91425" anchor="t" anchorCtr="0">
-            <a:noAutofit/>
-          </a:bodyPr>
-          <a:lstStyle/>
-          <a:p>
-            <a:pPr marL="0" lvl="0" indent="0" algn="l" rtl="0">
-              <a:spcBef>
-                <a:spcPts val="0"/>
-              </a:spcBef>
-              <a:spcAft>
-                <a:spcPts val="1600"/>
-              </a:spcAft>
-              <a:buNone/>
-            </a:pPr>
-            <a:r>
-              <a:rPr lang="it" sz="900"/>
-              <a:t>Presentation Title - Name Surname</a:t>
-            </a:r>
-            <a:endParaRPr sz="900"/>
           </a:p>
         </p:txBody>
       </p:sp>

--- a/hw_3/presentation.pptx
+++ b/hw_3/presentation.pptx
@@ -10530,8 +10530,8 @@
         </p:nvCxnSpPr>
         <p:spPr>
           <a:xfrm flipV="1">
-            <a:off x="8839200" y="602673"/>
-            <a:ext cx="0" cy="3346517"/>
+            <a:off x="8839200" y="861800"/>
+            <a:ext cx="0" cy="3087390"/>
           </a:xfrm>
           <a:prstGeom prst="line">
             <a:avLst/>
@@ -10573,7 +10573,7 @@
         </p:nvCxnSpPr>
         <p:spPr>
           <a:xfrm>
-            <a:off x="5521037" y="602673"/>
+            <a:off x="5521037" y="861800"/>
             <a:ext cx="3318163" cy="0"/>
           </a:xfrm>
           <a:prstGeom prst="line">
@@ -10617,8 +10617,8 @@
         </p:nvCxnSpPr>
         <p:spPr>
           <a:xfrm>
-            <a:off x="5521037" y="602673"/>
-            <a:ext cx="0" cy="508096"/>
+            <a:off x="5521037" y="861800"/>
+            <a:ext cx="0" cy="248969"/>
           </a:xfrm>
           <a:prstGeom prst="straightConnector1">
             <a:avLst/>
@@ -10963,8 +10963,8 @@
         </p:nvCxnSpPr>
         <p:spPr>
           <a:xfrm flipV="1">
-            <a:off x="4682836" y="353291"/>
-            <a:ext cx="0" cy="3726224"/>
+            <a:off x="4682836" y="601739"/>
+            <a:ext cx="0" cy="3477776"/>
           </a:xfrm>
           <a:prstGeom prst="line">
             <a:avLst/>
@@ -11006,7 +11006,7 @@
         </p:nvCxnSpPr>
         <p:spPr>
           <a:xfrm>
-            <a:off x="4682836" y="353291"/>
+            <a:off x="4682836" y="601739"/>
             <a:ext cx="3172690" cy="0"/>
           </a:xfrm>
           <a:prstGeom prst="line">
@@ -11050,8 +11050,8 @@
         </p:nvCxnSpPr>
         <p:spPr>
           <a:xfrm>
-            <a:off x="7855527" y="353291"/>
-            <a:ext cx="0" cy="816785"/>
+            <a:off x="7855527" y="601739"/>
+            <a:ext cx="0" cy="568337"/>
           </a:xfrm>
           <a:prstGeom prst="straightConnector1">
             <a:avLst/>
@@ -11131,7 +11131,7 @@
         </p:nvSpPr>
         <p:spPr>
           <a:xfrm>
-            <a:off x="6018429" y="601739"/>
+            <a:off x="5998242" y="870146"/>
             <a:ext cx="1558236" cy="215444"/>
           </a:xfrm>
           <a:prstGeom prst="rect">
